--- a/08.Steady-Flow Devices.pptx
+++ b/08.Steady-Flow Devices.pptx
@@ -5194,8 +5194,8 @@
         </p:nvSpPr>
         <p:spPr>
           <a:xfrm>
-            <a:off x="5618735" y="3810000"/>
-            <a:ext cx="1326004" cy="369332"/>
+            <a:off x="5727740" y="3810000"/>
+            <a:ext cx="1107996" cy="369332"/>
           </a:xfrm>
           <a:prstGeom prst="rect">
             <a:avLst/>
@@ -5345,7 +5345,7 @@
                 </a:solidFill>
                 <a:hlinkClick r:id="rId3"/>
               </a:rPr>
-              <a:t>Example 1</a:t>
+              <a:t>Solution</a:t>
             </a:r>
             <a:endParaRPr lang="en-US" b="1" dirty="0">
               <a:solidFill>
@@ -5575,8 +5575,8 @@
         </p:nvSpPr>
         <p:spPr>
           <a:xfrm>
-            <a:off x="5638802" y="4114800"/>
-            <a:ext cx="1326004" cy="369332"/>
+            <a:off x="5747807" y="4114800"/>
+            <a:ext cx="1107996" cy="369332"/>
           </a:xfrm>
           <a:prstGeom prst="rect">
             <a:avLst/>
@@ -5726,7 +5726,7 @@
                 </a:solidFill>
                 <a:hlinkClick r:id="rId3"/>
               </a:rPr>
-              <a:t>Example 2</a:t>
+              <a:t>Solution</a:t>
             </a:r>
             <a:endParaRPr lang="en-US" b="1" dirty="0">
               <a:solidFill>
@@ -6237,8 +6237,8 @@
         </p:nvSpPr>
         <p:spPr>
           <a:xfrm>
-            <a:off x="5257800" y="3962400"/>
-            <a:ext cx="1326004" cy="369332"/>
+            <a:off x="5366805" y="3962400"/>
+            <a:ext cx="1107996" cy="369332"/>
           </a:xfrm>
           <a:prstGeom prst="rect">
             <a:avLst/>
@@ -6388,7 +6388,7 @@
                 </a:solidFill>
                 <a:hlinkClick r:id="rId3"/>
               </a:rPr>
-              <a:t>Example 3</a:t>
+              <a:t>Solution</a:t>
             </a:r>
             <a:endParaRPr lang="en-US" b="1" dirty="0">
               <a:solidFill>
@@ -6564,8 +6564,8 @@
         </p:nvSpPr>
         <p:spPr>
           <a:xfrm>
-            <a:off x="1447800" y="4419600"/>
-            <a:ext cx="1326004" cy="369332"/>
+            <a:off x="1556805" y="4419600"/>
+            <a:ext cx="1107996" cy="369332"/>
           </a:xfrm>
           <a:prstGeom prst="rect">
             <a:avLst/>
@@ -6715,7 +6715,7 @@
                 </a:solidFill>
                 <a:hlinkClick r:id="rId3"/>
               </a:rPr>
-              <a:t>Example 4</a:t>
+              <a:t>Solution</a:t>
             </a:r>
             <a:endParaRPr lang="en-US" b="1" dirty="0">
               <a:solidFill>
